--- a/Day_2.pptx
+++ b/Day_2.pptx
@@ -5,7 +5,7 @@
     <p:sldMasterId id="2147483696" r:id="rId1"/>
   </p:sldMasterIdLst>
   <p:notesMasterIdLst>
-    <p:notesMasterId r:id="rId9"/>
+    <p:notesMasterId r:id="rId12"/>
   </p:notesMasterIdLst>
   <p:sldIdLst>
     <p:sldId id="795" r:id="rId2"/>
@@ -15,6 +15,9 @@
     <p:sldId id="805" r:id="rId6"/>
     <p:sldId id="808" r:id="rId7"/>
     <p:sldId id="809" r:id="rId8"/>
+    <p:sldId id="810" r:id="rId9"/>
+    <p:sldId id="813" r:id="rId10"/>
+    <p:sldId id="812" r:id="rId11"/>
   </p:sldIdLst>
   <p:sldSz cx="12192000" cy="6858000"/>
   <p:notesSz cx="6858000" cy="9144000"/>
@@ -568,6 +571,90 @@
 </p:notes>
 </file>
 
+<file path=ppt/notesSlides/notesSlide10.xml><?xml version="1.0" encoding="utf-8"?>
+<p:notes xmlns:a="http://schemas.openxmlformats.org/drawingml/2006/main" xmlns:r="http://schemas.openxmlformats.org/officeDocument/2006/relationships" xmlns:p="http://schemas.openxmlformats.org/presentationml/2006/main">
+  <p:cSld>
+    <p:spTree>
+      <p:nvGrpSpPr>
+        <p:cNvPr id="1" name=""/>
+        <p:cNvGrpSpPr/>
+        <p:nvPr/>
+      </p:nvGrpSpPr>
+      <p:grpSpPr>
+        <a:xfrm>
+          <a:off x="0" y="0"/>
+          <a:ext cx="0" cy="0"/>
+          <a:chOff x="0" y="0"/>
+          <a:chExt cx="0" cy="0"/>
+        </a:xfrm>
+      </p:grpSpPr>
+      <p:sp>
+        <p:nvSpPr>
+          <p:cNvPr id="2" name="슬라이드 이미지 개체 틀 1"/>
+          <p:cNvSpPr>
+            <a:spLocks noGrp="1" noRot="1" noChangeAspect="1"/>
+          </p:cNvSpPr>
+          <p:nvPr>
+            <p:ph type="sldImg"/>
+          </p:nvPr>
+        </p:nvSpPr>
+        <p:spPr/>
+      </p:sp>
+      <p:sp>
+        <p:nvSpPr>
+          <p:cNvPr id="3" name="슬라이드 노트 개체 틀 2"/>
+          <p:cNvSpPr>
+            <a:spLocks noGrp="1"/>
+          </p:cNvSpPr>
+          <p:nvPr>
+            <p:ph type="body" idx="1"/>
+          </p:nvPr>
+        </p:nvSpPr>
+        <p:spPr/>
+        <p:txBody>
+          <a:bodyPr/>
+          <a:lstStyle/>
+          <a:p>
+            <a:endParaRPr lang="ko-KR" altLang="en-US" dirty="0"/>
+          </a:p>
+        </p:txBody>
+      </p:sp>
+      <p:sp>
+        <p:nvSpPr>
+          <p:cNvPr id="4" name="슬라이드 번호 개체 틀 3"/>
+          <p:cNvSpPr>
+            <a:spLocks noGrp="1"/>
+          </p:cNvSpPr>
+          <p:nvPr>
+            <p:ph type="sldNum" sz="quarter" idx="10"/>
+          </p:nvPr>
+        </p:nvSpPr>
+        <p:spPr/>
+        <p:txBody>
+          <a:bodyPr/>
+          <a:lstStyle/>
+          <a:p>
+            <a:fld id="{21EDD92F-6552-427E-B1F2-FAEB3F7EF1CB}" type="slidenum">
+              <a:rPr lang="ko-KR" altLang="en-US" smtClean="0"/>
+              <a:t>10</a:t>
+            </a:fld>
+            <a:endParaRPr lang="ko-KR" altLang="en-US"/>
+          </a:p>
+        </p:txBody>
+      </p:sp>
+    </p:spTree>
+    <p:extLst>
+      <p:ext uri="{BB962C8B-B14F-4D97-AF65-F5344CB8AC3E}">
+        <p14:creationId xmlns:p14="http://schemas.microsoft.com/office/powerpoint/2010/main" val="3454656135"/>
+      </p:ext>
+    </p:extLst>
+  </p:cSld>
+  <p:clrMapOvr>
+    <a:masterClrMapping/>
+  </p:clrMapOvr>
+</p:notes>
+</file>
+
 <file path=ppt/notesSlides/notesSlide2.xml><?xml version="1.0" encoding="utf-8"?>
 <p:notes xmlns:a="http://schemas.openxmlformats.org/drawingml/2006/main" xmlns:r="http://schemas.openxmlformats.org/officeDocument/2006/relationships" xmlns:p="http://schemas.openxmlformats.org/presentationml/2006/main">
   <p:cSld>
@@ -1063,6 +1150,174 @@
     <p:extLst>
       <p:ext uri="{BB962C8B-B14F-4D97-AF65-F5344CB8AC3E}">
         <p14:creationId xmlns:p14="http://schemas.microsoft.com/office/powerpoint/2010/main" val="610714971"/>
+      </p:ext>
+    </p:extLst>
+  </p:cSld>
+  <p:clrMapOvr>
+    <a:masterClrMapping/>
+  </p:clrMapOvr>
+</p:notes>
+</file>
+
+<file path=ppt/notesSlides/notesSlide8.xml><?xml version="1.0" encoding="utf-8"?>
+<p:notes xmlns:a="http://schemas.openxmlformats.org/drawingml/2006/main" xmlns:r="http://schemas.openxmlformats.org/officeDocument/2006/relationships" xmlns:p="http://schemas.openxmlformats.org/presentationml/2006/main">
+  <p:cSld>
+    <p:spTree>
+      <p:nvGrpSpPr>
+        <p:cNvPr id="1" name=""/>
+        <p:cNvGrpSpPr/>
+        <p:nvPr/>
+      </p:nvGrpSpPr>
+      <p:grpSpPr>
+        <a:xfrm>
+          <a:off x="0" y="0"/>
+          <a:ext cx="0" cy="0"/>
+          <a:chOff x="0" y="0"/>
+          <a:chExt cx="0" cy="0"/>
+        </a:xfrm>
+      </p:grpSpPr>
+      <p:sp>
+        <p:nvSpPr>
+          <p:cNvPr id="2" name="슬라이드 이미지 개체 틀 1"/>
+          <p:cNvSpPr>
+            <a:spLocks noGrp="1" noRot="1" noChangeAspect="1"/>
+          </p:cNvSpPr>
+          <p:nvPr>
+            <p:ph type="sldImg"/>
+          </p:nvPr>
+        </p:nvSpPr>
+        <p:spPr/>
+      </p:sp>
+      <p:sp>
+        <p:nvSpPr>
+          <p:cNvPr id="3" name="슬라이드 노트 개체 틀 2"/>
+          <p:cNvSpPr>
+            <a:spLocks noGrp="1"/>
+          </p:cNvSpPr>
+          <p:nvPr>
+            <p:ph type="body" idx="1"/>
+          </p:nvPr>
+        </p:nvSpPr>
+        <p:spPr/>
+        <p:txBody>
+          <a:bodyPr/>
+          <a:lstStyle/>
+          <a:p>
+            <a:endParaRPr lang="ko-KR" altLang="en-US" dirty="0"/>
+          </a:p>
+        </p:txBody>
+      </p:sp>
+      <p:sp>
+        <p:nvSpPr>
+          <p:cNvPr id="4" name="슬라이드 번호 개체 틀 3"/>
+          <p:cNvSpPr>
+            <a:spLocks noGrp="1"/>
+          </p:cNvSpPr>
+          <p:nvPr>
+            <p:ph type="sldNum" sz="quarter" idx="10"/>
+          </p:nvPr>
+        </p:nvSpPr>
+        <p:spPr/>
+        <p:txBody>
+          <a:bodyPr/>
+          <a:lstStyle/>
+          <a:p>
+            <a:fld id="{21EDD92F-6552-427E-B1F2-FAEB3F7EF1CB}" type="slidenum">
+              <a:rPr lang="ko-KR" altLang="en-US" smtClean="0"/>
+              <a:t>8</a:t>
+            </a:fld>
+            <a:endParaRPr lang="ko-KR" altLang="en-US"/>
+          </a:p>
+        </p:txBody>
+      </p:sp>
+    </p:spTree>
+    <p:extLst>
+      <p:ext uri="{BB962C8B-B14F-4D97-AF65-F5344CB8AC3E}">
+        <p14:creationId xmlns:p14="http://schemas.microsoft.com/office/powerpoint/2010/main" val="297919522"/>
+      </p:ext>
+    </p:extLst>
+  </p:cSld>
+  <p:clrMapOvr>
+    <a:masterClrMapping/>
+  </p:clrMapOvr>
+</p:notes>
+</file>
+
+<file path=ppt/notesSlides/notesSlide9.xml><?xml version="1.0" encoding="utf-8"?>
+<p:notes xmlns:a="http://schemas.openxmlformats.org/drawingml/2006/main" xmlns:r="http://schemas.openxmlformats.org/officeDocument/2006/relationships" xmlns:p="http://schemas.openxmlformats.org/presentationml/2006/main">
+  <p:cSld>
+    <p:spTree>
+      <p:nvGrpSpPr>
+        <p:cNvPr id="1" name=""/>
+        <p:cNvGrpSpPr/>
+        <p:nvPr/>
+      </p:nvGrpSpPr>
+      <p:grpSpPr>
+        <a:xfrm>
+          <a:off x="0" y="0"/>
+          <a:ext cx="0" cy="0"/>
+          <a:chOff x="0" y="0"/>
+          <a:chExt cx="0" cy="0"/>
+        </a:xfrm>
+      </p:grpSpPr>
+      <p:sp>
+        <p:nvSpPr>
+          <p:cNvPr id="2" name="슬라이드 이미지 개체 틀 1"/>
+          <p:cNvSpPr>
+            <a:spLocks noGrp="1" noRot="1" noChangeAspect="1"/>
+          </p:cNvSpPr>
+          <p:nvPr>
+            <p:ph type="sldImg"/>
+          </p:nvPr>
+        </p:nvSpPr>
+        <p:spPr/>
+      </p:sp>
+      <p:sp>
+        <p:nvSpPr>
+          <p:cNvPr id="3" name="슬라이드 노트 개체 틀 2"/>
+          <p:cNvSpPr>
+            <a:spLocks noGrp="1"/>
+          </p:cNvSpPr>
+          <p:nvPr>
+            <p:ph type="body" idx="1"/>
+          </p:nvPr>
+        </p:nvSpPr>
+        <p:spPr/>
+        <p:txBody>
+          <a:bodyPr/>
+          <a:lstStyle/>
+          <a:p>
+            <a:endParaRPr lang="ko-KR" altLang="en-US" dirty="0"/>
+          </a:p>
+        </p:txBody>
+      </p:sp>
+      <p:sp>
+        <p:nvSpPr>
+          <p:cNvPr id="4" name="슬라이드 번호 개체 틀 3"/>
+          <p:cNvSpPr>
+            <a:spLocks noGrp="1"/>
+          </p:cNvSpPr>
+          <p:nvPr>
+            <p:ph type="sldNum" sz="quarter" idx="10"/>
+          </p:nvPr>
+        </p:nvSpPr>
+        <p:spPr/>
+        <p:txBody>
+          <a:bodyPr/>
+          <a:lstStyle/>
+          <a:p>
+            <a:fld id="{21EDD92F-6552-427E-B1F2-FAEB3F7EF1CB}" type="slidenum">
+              <a:rPr lang="ko-KR" altLang="en-US" smtClean="0"/>
+              <a:t>9</a:t>
+            </a:fld>
+            <a:endParaRPr lang="ko-KR" altLang="en-US"/>
+          </a:p>
+        </p:txBody>
+      </p:sp>
+    </p:spTree>
+    <p:extLst>
+      <p:ext uri="{BB962C8B-B14F-4D97-AF65-F5344CB8AC3E}">
+        <p14:creationId xmlns:p14="http://schemas.microsoft.com/office/powerpoint/2010/main" val="3246072130"/>
       </p:ext>
     </p:extLst>
   </p:cSld>
@@ -3889,6 +4144,181 @@
 </p:sld>
 </file>
 
+<file path=ppt/slides/slide10.xml><?xml version="1.0" encoding="utf-8"?>
+<p:sld xmlns:a="http://schemas.openxmlformats.org/drawingml/2006/main" xmlns:r="http://schemas.openxmlformats.org/officeDocument/2006/relationships" xmlns:p="http://schemas.openxmlformats.org/presentationml/2006/main">
+  <p:cSld>
+    <p:spTree>
+      <p:nvGrpSpPr>
+        <p:cNvPr id="1" name=""/>
+        <p:cNvGrpSpPr/>
+        <p:nvPr/>
+      </p:nvGrpSpPr>
+      <p:grpSpPr>
+        <a:xfrm>
+          <a:off x="0" y="0"/>
+          <a:ext cx="0" cy="0"/>
+          <a:chOff x="0" y="0"/>
+          <a:chExt cx="0" cy="0"/>
+        </a:xfrm>
+      </p:grpSpPr>
+      <p:sp>
+        <p:nvSpPr>
+          <p:cNvPr id="2" name="제목 1"/>
+          <p:cNvSpPr>
+            <a:spLocks noGrp="1"/>
+          </p:cNvSpPr>
+          <p:nvPr>
+            <p:ph type="title"/>
+          </p:nvPr>
+        </p:nvSpPr>
+        <p:spPr/>
+        <p:txBody>
+          <a:bodyPr/>
+          <a:lstStyle/>
+          <a:p>
+            <a:r>
+              <a:rPr lang="en-US" altLang="ko-KR" dirty="0">
+                <a:latin typeface="나눔고딕" panose="020D0604000000000000" pitchFamily="50" charset="-127"/>
+                <a:ea typeface="나눔고딕" panose="020D0604000000000000" pitchFamily="50" charset="-127"/>
+              </a:rPr>
+              <a:t>01-03 Hello Toast App (Tablet)</a:t>
+            </a:r>
+            <a:endParaRPr lang="ko-KR" altLang="en-US" dirty="0">
+              <a:latin typeface="나눔고딕" panose="020D0604000000000000" pitchFamily="50" charset="-127"/>
+              <a:ea typeface="나눔고딕" panose="020D0604000000000000" pitchFamily="50" charset="-127"/>
+            </a:endParaRPr>
+          </a:p>
+        </p:txBody>
+      </p:sp>
+      <p:sp>
+        <p:nvSpPr>
+          <p:cNvPr id="4" name="슬라이드 번호 개체 틀 3"/>
+          <p:cNvSpPr>
+            <a:spLocks noGrp="1"/>
+          </p:cNvSpPr>
+          <p:nvPr>
+            <p:ph type="sldNum" sz="quarter" idx="14"/>
+          </p:nvPr>
+        </p:nvSpPr>
+        <p:spPr/>
+        <p:txBody>
+          <a:bodyPr/>
+          <a:lstStyle/>
+          <a:p>
+            <a:pPr>
+              <a:defRPr/>
+            </a:pPr>
+            <a:fld id="{3D493B47-E977-46F8-8C2F-7DA674317049}" type="slidenum">
+              <a:rPr lang="ko-KR" altLang="en-US" smtClean="0"/>
+              <a:pPr>
+                <a:defRPr/>
+              </a:pPr>
+              <a:t>10</a:t>
+            </a:fld>
+            <a:endParaRPr lang="ko-KR" altLang="en-US"/>
+          </a:p>
+        </p:txBody>
+      </p:sp>
+      <p:pic>
+        <p:nvPicPr>
+          <p:cNvPr id="7" name="내용 개체 틀 6">
+            <a:extLst>
+              <a:ext uri="{FF2B5EF4-FFF2-40B4-BE49-F238E27FC236}">
+                <a16:creationId xmlns:a16="http://schemas.microsoft.com/office/drawing/2014/main" id="{FC9AD73F-A864-464A-A01D-7DCDF1F70C95}"/>
+              </a:ext>
+            </a:extLst>
+          </p:cNvPr>
+          <p:cNvPicPr>
+            <a:picLocks noGrp="1" noChangeAspect="1"/>
+          </p:cNvPicPr>
+          <p:nvPr>
+            <p:ph idx="10"/>
+          </p:nvPr>
+        </p:nvPicPr>
+        <p:blipFill>
+          <a:blip r:embed="rId3" cstate="print">
+            <a:extLst>
+              <a:ext uri="{28A0092B-C50C-407E-A947-70E740481C1C}">
+                <a14:useLocalDpi xmlns:a14="http://schemas.microsoft.com/office/drawing/2010/main" val="0"/>
+              </a:ext>
+            </a:extLst>
+          </a:blip>
+          <a:stretch>
+            <a:fillRect/>
+          </a:stretch>
+        </p:blipFill>
+        <p:spPr>
+          <a:xfrm>
+            <a:off x="1843247" y="1059923"/>
+            <a:ext cx="3240359" cy="5184576"/>
+          </a:xfrm>
+        </p:spPr>
+      </p:pic>
+      <p:sp>
+        <p:nvSpPr>
+          <p:cNvPr id="19" name="TextBox 18">
+            <a:extLst>
+              <a:ext uri="{FF2B5EF4-FFF2-40B4-BE49-F238E27FC236}">
+                <a16:creationId xmlns:a16="http://schemas.microsoft.com/office/drawing/2014/main" id="{C4FE0772-2C02-49AD-82D0-30D39DC8E538}"/>
+              </a:ext>
+            </a:extLst>
+          </p:cNvPr>
+          <p:cNvSpPr txBox="1"/>
+          <p:nvPr/>
+        </p:nvSpPr>
+        <p:spPr>
+          <a:xfrm>
+            <a:off x="7108396" y="3013501"/>
+            <a:ext cx="4442211" cy="830997"/>
+          </a:xfrm>
+          <a:prstGeom prst="rect">
+            <a:avLst/>
+          </a:prstGeom>
+          <a:noFill/>
+        </p:spPr>
+        <p:txBody>
+          <a:bodyPr wrap="square" rtlCol="0">
+            <a:spAutoFit/>
+          </a:bodyPr>
+          <a:lstStyle/>
+          <a:p>
+            <a:pPr marL="342900" indent="-342900">
+              <a:buFont typeface="Arial" panose="020B0604020202020204" pitchFamily="34" charset="0"/>
+              <a:buChar char="•"/>
+            </a:pPr>
+            <a:r>
+              <a:rPr lang="en-US" altLang="ko-KR" sz="2400" b="1" dirty="0"/>
+              <a:t>Tablet</a:t>
+            </a:r>
+            <a:r>
+              <a:rPr lang="ko-KR" altLang="en-US" sz="2400" b="1" dirty="0"/>
+              <a:t>용 </a:t>
+            </a:r>
+            <a:r>
+              <a:rPr lang="en-US" altLang="ko-KR" sz="2400" b="1" dirty="0"/>
+              <a:t>xml</a:t>
+            </a:r>
+            <a:r>
+              <a:rPr lang="ko-KR" altLang="en-US" sz="2400" b="1" dirty="0"/>
+              <a:t>을 만들고 화면 구성을 바꾼다</a:t>
+            </a:r>
+            <a:endParaRPr lang="en-US" altLang="ko-KR" sz="2400" b="1" dirty="0"/>
+          </a:p>
+        </p:txBody>
+      </p:sp>
+    </p:spTree>
+    <p:extLst>
+      <p:ext uri="{BB962C8B-B14F-4D97-AF65-F5344CB8AC3E}">
+        <p14:creationId xmlns:p14="http://schemas.microsoft.com/office/powerpoint/2010/main" val="1979821401"/>
+      </p:ext>
+    </p:extLst>
+  </p:cSld>
+  <p:clrMapOvr>
+    <a:masterClrMapping/>
+  </p:clrMapOvr>
+</p:sld>
+</file>
+
 <file path=ppt/slides/slide2.xml><?xml version="1.0" encoding="utf-8"?>
 <p:sld xmlns:a="http://schemas.openxmlformats.org/drawingml/2006/main" xmlns:r="http://schemas.openxmlformats.org/officeDocument/2006/relationships" xmlns:p="http://schemas.openxmlformats.org/presentationml/2006/main">
   <p:cSld>
@@ -5331,6 +5761,553 @@
     <p:extLst>
       <p:ext uri="{BB962C8B-B14F-4D97-AF65-F5344CB8AC3E}">
         <p14:creationId xmlns:p14="http://schemas.microsoft.com/office/powerpoint/2010/main" val="1384906662"/>
+      </p:ext>
+    </p:extLst>
+  </p:cSld>
+  <p:clrMapOvr>
+    <a:masterClrMapping/>
+  </p:clrMapOvr>
+</p:sld>
+</file>
+
+<file path=ppt/slides/slide8.xml><?xml version="1.0" encoding="utf-8"?>
+<p:sld xmlns:a="http://schemas.openxmlformats.org/drawingml/2006/main" xmlns:r="http://schemas.openxmlformats.org/officeDocument/2006/relationships" xmlns:p="http://schemas.openxmlformats.org/presentationml/2006/main">
+  <p:cSld>
+    <p:spTree>
+      <p:nvGrpSpPr>
+        <p:cNvPr id="1" name=""/>
+        <p:cNvGrpSpPr/>
+        <p:nvPr/>
+      </p:nvGrpSpPr>
+      <p:grpSpPr>
+        <a:xfrm>
+          <a:off x="0" y="0"/>
+          <a:ext cx="0" cy="0"/>
+          <a:chOff x="0" y="0"/>
+          <a:chExt cx="0" cy="0"/>
+        </a:xfrm>
+      </p:grpSpPr>
+      <p:sp>
+        <p:nvSpPr>
+          <p:cNvPr id="2" name="제목 1"/>
+          <p:cNvSpPr>
+            <a:spLocks noGrp="1"/>
+          </p:cNvSpPr>
+          <p:nvPr>
+            <p:ph type="title"/>
+          </p:nvPr>
+        </p:nvSpPr>
+        <p:spPr/>
+        <p:txBody>
+          <a:bodyPr/>
+          <a:lstStyle/>
+          <a:p>
+            <a:r>
+              <a:rPr lang="en-US" altLang="ko-KR" dirty="0">
+                <a:latin typeface="나눔고딕" panose="020D0604000000000000" pitchFamily="50" charset="-127"/>
+                <a:ea typeface="나눔고딕" panose="020D0604000000000000" pitchFamily="50" charset="-127"/>
+              </a:rPr>
+              <a:t>02 App Icon </a:t>
+            </a:r>
+            <a:r>
+              <a:rPr lang="ko-KR" altLang="en-US" dirty="0">
+                <a:latin typeface="나눔고딕" panose="020D0604000000000000" pitchFamily="50" charset="-127"/>
+                <a:ea typeface="나눔고딕" panose="020D0604000000000000" pitchFamily="50" charset="-127"/>
+              </a:rPr>
+              <a:t>바꾸기</a:t>
+            </a:r>
+          </a:p>
+        </p:txBody>
+      </p:sp>
+      <p:sp>
+        <p:nvSpPr>
+          <p:cNvPr id="4" name="슬라이드 번호 개체 틀 3"/>
+          <p:cNvSpPr>
+            <a:spLocks noGrp="1"/>
+          </p:cNvSpPr>
+          <p:nvPr>
+            <p:ph type="sldNum" sz="quarter" idx="14"/>
+          </p:nvPr>
+        </p:nvSpPr>
+        <p:spPr/>
+        <p:txBody>
+          <a:bodyPr/>
+          <a:lstStyle/>
+          <a:p>
+            <a:pPr>
+              <a:defRPr/>
+            </a:pPr>
+            <a:fld id="{3D493B47-E977-46F8-8C2F-7DA674317049}" type="slidenum">
+              <a:rPr lang="ko-KR" altLang="en-US" smtClean="0"/>
+              <a:pPr>
+                <a:defRPr/>
+              </a:pPr>
+              <a:t>8</a:t>
+            </a:fld>
+            <a:endParaRPr lang="ko-KR" altLang="en-US"/>
+          </a:p>
+        </p:txBody>
+      </p:sp>
+      <p:sp>
+        <p:nvSpPr>
+          <p:cNvPr id="19" name="TextBox 18">
+            <a:extLst>
+              <a:ext uri="{FF2B5EF4-FFF2-40B4-BE49-F238E27FC236}">
+                <a16:creationId xmlns:a16="http://schemas.microsoft.com/office/drawing/2014/main" id="{C4FE0772-2C02-49AD-82D0-30D39DC8E538}"/>
+              </a:ext>
+            </a:extLst>
+          </p:cNvPr>
+          <p:cNvSpPr txBox="1"/>
+          <p:nvPr/>
+        </p:nvSpPr>
+        <p:spPr>
+          <a:xfrm>
+            <a:off x="7176120" y="2956301"/>
+            <a:ext cx="3966005" cy="1200329"/>
+          </a:xfrm>
+          <a:prstGeom prst="rect">
+            <a:avLst/>
+          </a:prstGeom>
+          <a:noFill/>
+        </p:spPr>
+        <p:txBody>
+          <a:bodyPr wrap="square" rtlCol="0">
+            <a:spAutoFit/>
+          </a:bodyPr>
+          <a:lstStyle/>
+          <a:p>
+            <a:pPr marL="342900" indent="-342900">
+              <a:buFont typeface="Arial" panose="020B0604020202020204" pitchFamily="34" charset="0"/>
+              <a:buChar char="•"/>
+            </a:pPr>
+            <a:r>
+              <a:rPr lang="en-US" altLang="ko-KR" sz="2400" b="1" dirty="0"/>
+              <a:t>Image Asset</a:t>
+            </a:r>
+            <a:r>
+              <a:rPr lang="ko-KR" altLang="en-US" sz="2400" b="1" dirty="0"/>
+              <a:t>을 생성해 원하는 그림으로 </a:t>
+            </a:r>
+            <a:r>
+              <a:rPr lang="en-US" altLang="ko-KR" sz="2400" b="1" dirty="0"/>
+              <a:t>App</a:t>
+            </a:r>
+            <a:r>
+              <a:rPr lang="ko-KR" altLang="en-US" sz="2400" b="1" dirty="0"/>
+              <a:t>의 </a:t>
+            </a:r>
+            <a:r>
+              <a:rPr lang="en-US" altLang="ko-KR" sz="2400" b="1" dirty="0"/>
+              <a:t>Icon</a:t>
+            </a:r>
+            <a:r>
+              <a:rPr lang="ko-KR" altLang="en-US" sz="2400" b="1" dirty="0"/>
+              <a:t>을 바꾼다</a:t>
+            </a:r>
+            <a:endParaRPr lang="en-US" altLang="ko-KR" sz="2400" b="1" dirty="0"/>
+          </a:p>
+        </p:txBody>
+      </p:sp>
+      <p:pic>
+        <p:nvPicPr>
+          <p:cNvPr id="8" name="내용 개체 틀 7" descr="스크린샷이(가) 표시된 사진&#10;&#10;자동 생성된 설명">
+            <a:extLst>
+              <a:ext uri="{FF2B5EF4-FFF2-40B4-BE49-F238E27FC236}">
+                <a16:creationId xmlns:a16="http://schemas.microsoft.com/office/drawing/2014/main" id="{195BAF37-3253-46CF-B19E-93B3871E5390}"/>
+              </a:ext>
+            </a:extLst>
+          </p:cNvPr>
+          <p:cNvPicPr>
+            <a:picLocks noGrp="1" noChangeAspect="1"/>
+          </p:cNvPicPr>
+          <p:nvPr>
+            <p:ph idx="10"/>
+          </p:nvPr>
+        </p:nvPicPr>
+        <p:blipFill>
+          <a:blip r:embed="rId3" cstate="print">
+            <a:extLst>
+              <a:ext uri="{28A0092B-C50C-407E-A947-70E740481C1C}">
+                <a14:useLocalDpi xmlns:a14="http://schemas.microsoft.com/office/drawing/2010/main" val="0"/>
+              </a:ext>
+            </a:extLst>
+          </a:blip>
+          <a:stretch>
+            <a:fillRect/>
+          </a:stretch>
+        </p:blipFill>
+        <p:spPr>
+          <a:xfrm>
+            <a:off x="2207568" y="990386"/>
+            <a:ext cx="3024336" cy="5376598"/>
+          </a:xfrm>
+        </p:spPr>
+      </p:pic>
+      <p:sp>
+        <p:nvSpPr>
+          <p:cNvPr id="10" name="타원 9">
+            <a:extLst>
+              <a:ext uri="{FF2B5EF4-FFF2-40B4-BE49-F238E27FC236}">
+                <a16:creationId xmlns:a16="http://schemas.microsoft.com/office/drawing/2014/main" id="{17E1EB04-B165-447E-8700-DAC5D2BC919F}"/>
+              </a:ext>
+            </a:extLst>
+          </p:cNvPr>
+          <p:cNvSpPr/>
+          <p:nvPr/>
+        </p:nvSpPr>
+        <p:spPr>
+          <a:xfrm>
+            <a:off x="3287688" y="3140968"/>
+            <a:ext cx="864096" cy="830997"/>
+          </a:xfrm>
+          <a:prstGeom prst="ellipse">
+            <a:avLst/>
+          </a:prstGeom>
+          <a:noFill/>
+          <a:ln w="127000">
+            <a:solidFill>
+              <a:schemeClr val="accent1">
+                <a:lumMod val="40000"/>
+                <a:lumOff val="60000"/>
+              </a:schemeClr>
+            </a:solidFill>
+          </a:ln>
+        </p:spPr>
+        <p:style>
+          <a:lnRef idx="2">
+            <a:schemeClr val="accent1">
+              <a:shade val="50000"/>
+            </a:schemeClr>
+          </a:lnRef>
+          <a:fillRef idx="1">
+            <a:schemeClr val="accent1"/>
+          </a:fillRef>
+          <a:effectRef idx="0">
+            <a:schemeClr val="accent1"/>
+          </a:effectRef>
+          <a:fontRef idx="minor">
+            <a:schemeClr val="lt1"/>
+          </a:fontRef>
+        </p:style>
+        <p:txBody>
+          <a:bodyPr rtlCol="0" anchor="ctr"/>
+          <a:lstStyle/>
+          <a:p>
+            <a:pPr algn="ctr"/>
+            <a:endParaRPr lang="ko-KR" altLang="en-US"/>
+          </a:p>
+        </p:txBody>
+      </p:sp>
+    </p:spTree>
+    <p:extLst>
+      <p:ext uri="{BB962C8B-B14F-4D97-AF65-F5344CB8AC3E}">
+        <p14:creationId xmlns:p14="http://schemas.microsoft.com/office/powerpoint/2010/main" val="4272556320"/>
+      </p:ext>
+    </p:extLst>
+  </p:cSld>
+  <p:clrMapOvr>
+    <a:masterClrMapping/>
+  </p:clrMapOvr>
+</p:sld>
+</file>
+
+<file path=ppt/slides/slide9.xml><?xml version="1.0" encoding="utf-8"?>
+<p:sld xmlns:a="http://schemas.openxmlformats.org/drawingml/2006/main" xmlns:r="http://schemas.openxmlformats.org/officeDocument/2006/relationships" xmlns:p="http://schemas.openxmlformats.org/presentationml/2006/main">
+  <p:cSld>
+    <p:spTree>
+      <p:nvGrpSpPr>
+        <p:cNvPr id="1" name=""/>
+        <p:cNvGrpSpPr/>
+        <p:nvPr/>
+      </p:nvGrpSpPr>
+      <p:grpSpPr>
+        <a:xfrm>
+          <a:off x="0" y="0"/>
+          <a:ext cx="0" cy="0"/>
+          <a:chOff x="0" y="0"/>
+          <a:chExt cx="0" cy="0"/>
+        </a:xfrm>
+      </p:grpSpPr>
+      <p:sp>
+        <p:nvSpPr>
+          <p:cNvPr id="2" name="제목 1"/>
+          <p:cNvSpPr>
+            <a:spLocks noGrp="1"/>
+          </p:cNvSpPr>
+          <p:nvPr>
+            <p:ph type="title"/>
+          </p:nvPr>
+        </p:nvSpPr>
+        <p:spPr/>
+        <p:txBody>
+          <a:bodyPr/>
+          <a:lstStyle/>
+          <a:p>
+            <a:r>
+              <a:rPr lang="en-US" altLang="ko-KR" dirty="0">
+                <a:latin typeface="나눔고딕" panose="020D0604000000000000" pitchFamily="50" charset="-127"/>
+                <a:ea typeface="나눔고딕" panose="020D0604000000000000" pitchFamily="50" charset="-127"/>
+              </a:rPr>
+              <a:t>02 App Icon </a:t>
+            </a:r>
+            <a:r>
+              <a:rPr lang="ko-KR" altLang="en-US" dirty="0">
+                <a:latin typeface="나눔고딕" panose="020D0604000000000000" pitchFamily="50" charset="-127"/>
+                <a:ea typeface="나눔고딕" panose="020D0604000000000000" pitchFamily="50" charset="-127"/>
+              </a:rPr>
+              <a:t>바꾸기</a:t>
+            </a:r>
+          </a:p>
+        </p:txBody>
+      </p:sp>
+      <p:sp>
+        <p:nvSpPr>
+          <p:cNvPr id="4" name="슬라이드 번호 개체 틀 3"/>
+          <p:cNvSpPr>
+            <a:spLocks noGrp="1"/>
+          </p:cNvSpPr>
+          <p:nvPr>
+            <p:ph type="sldNum" sz="quarter" idx="14"/>
+          </p:nvPr>
+        </p:nvSpPr>
+        <p:spPr/>
+        <p:txBody>
+          <a:bodyPr/>
+          <a:lstStyle/>
+          <a:p>
+            <a:pPr>
+              <a:defRPr/>
+            </a:pPr>
+            <a:fld id="{3D493B47-E977-46F8-8C2F-7DA674317049}" type="slidenum">
+              <a:rPr lang="ko-KR" altLang="en-US" smtClean="0"/>
+              <a:pPr>
+                <a:defRPr/>
+              </a:pPr>
+              <a:t>9</a:t>
+            </a:fld>
+            <a:endParaRPr lang="ko-KR" altLang="en-US"/>
+          </a:p>
+        </p:txBody>
+      </p:sp>
+      <p:sp>
+        <p:nvSpPr>
+          <p:cNvPr id="5" name="내용 개체 틀 4">
+            <a:extLst>
+              <a:ext uri="{FF2B5EF4-FFF2-40B4-BE49-F238E27FC236}">
+                <a16:creationId xmlns:a16="http://schemas.microsoft.com/office/drawing/2014/main" id="{DA36EC09-5BE6-417A-BF3C-A7EA880BC916}"/>
+              </a:ext>
+            </a:extLst>
+          </p:cNvPr>
+          <p:cNvSpPr>
+            <a:spLocks noGrp="1"/>
+          </p:cNvSpPr>
+          <p:nvPr>
+            <p:ph idx="10"/>
+          </p:nvPr>
+        </p:nvSpPr>
+        <p:spPr>
+          <a:xfrm>
+            <a:off x="453100" y="836712"/>
+            <a:ext cx="11248112" cy="5659818"/>
+          </a:xfrm>
+        </p:spPr>
+        <p:txBody>
+          <a:bodyPr/>
+          <a:lstStyle/>
+          <a:p>
+            <a:r>
+              <a:rPr lang="en-US" altLang="ko-KR" dirty="0"/>
+              <a:t>Android </a:t>
+            </a:r>
+            <a:r>
+              <a:rPr lang="ko-KR" altLang="en-US" dirty="0"/>
+              <a:t>프로젝트 파일을 </a:t>
+            </a:r>
+            <a:r>
+              <a:rPr lang="ko-KR" altLang="en-US" dirty="0" err="1"/>
+              <a:t>우클릭</a:t>
+            </a:r>
+            <a:r>
+              <a:rPr lang="ko-KR" altLang="en-US" dirty="0"/>
+              <a:t> 한 뒤 </a:t>
+            </a:r>
+            <a:r>
+              <a:rPr lang="en-US" altLang="ko-KR" dirty="0"/>
+              <a:t>New – Image Asset</a:t>
+            </a:r>
+            <a:r>
+              <a:rPr lang="ko-KR" altLang="en-US" dirty="0"/>
+              <a:t>을 선택한다</a:t>
+            </a:r>
+            <a:endParaRPr lang="en-US" altLang="ko-KR" dirty="0"/>
+          </a:p>
+          <a:p>
+            <a:endParaRPr lang="en-US" altLang="ko-KR" dirty="0"/>
+          </a:p>
+          <a:p>
+            <a:r>
+              <a:rPr lang="en-US" altLang="ko-KR" dirty="0"/>
+              <a:t>Asset</a:t>
+            </a:r>
+            <a:r>
+              <a:rPr lang="ko-KR" altLang="en-US" dirty="0"/>
+              <a:t> </a:t>
+            </a:r>
+            <a:r>
+              <a:rPr lang="en-US" altLang="ko-KR" dirty="0"/>
+              <a:t>Type</a:t>
+            </a:r>
+            <a:r>
+              <a:rPr lang="ko-KR" altLang="en-US" dirty="0"/>
+              <a:t>을 </a:t>
+            </a:r>
+            <a:r>
+              <a:rPr lang="en-US" altLang="ko-KR" dirty="0"/>
+              <a:t>Clip Art</a:t>
+            </a:r>
+            <a:r>
+              <a:rPr lang="ko-KR" altLang="en-US" dirty="0"/>
+              <a:t>로 선택하면</a:t>
+            </a:r>
+            <a:endParaRPr lang="en-US" altLang="ko-KR" dirty="0"/>
+          </a:p>
+          <a:p>
+            <a:r>
+              <a:rPr lang="ko-KR" altLang="en-US" dirty="0"/>
+              <a:t>해당 화면을 볼 수 있다</a:t>
+            </a:r>
+            <a:endParaRPr lang="en-US" altLang="ko-KR" dirty="0"/>
+          </a:p>
+          <a:p>
+            <a:endParaRPr lang="en-US" altLang="ko-KR" dirty="0"/>
+          </a:p>
+          <a:p>
+            <a:r>
+              <a:rPr lang="en-US" altLang="ko-KR" dirty="0"/>
+              <a:t>Foreground Layer </a:t>
+            </a:r>
+            <a:r>
+              <a:rPr lang="ko-KR" altLang="en-US" dirty="0"/>
+              <a:t>에서는 </a:t>
+            </a:r>
+            <a:r>
+              <a:rPr lang="en-US" altLang="ko-KR" dirty="0"/>
+              <a:t>Image,</a:t>
+            </a:r>
+          </a:p>
+          <a:p>
+            <a:r>
+              <a:rPr lang="en-US" altLang="ko-KR" dirty="0"/>
+              <a:t>Clip, Text</a:t>
+            </a:r>
+            <a:r>
+              <a:rPr lang="ko-KR" altLang="en-US" dirty="0"/>
+              <a:t> 중 하나를 선택할 수 있고</a:t>
+            </a:r>
+            <a:endParaRPr lang="en-US" altLang="ko-KR" dirty="0"/>
+          </a:p>
+          <a:p>
+            <a:r>
+              <a:rPr lang="ko-KR" altLang="en-US" dirty="0"/>
+              <a:t>이미지</a:t>
+            </a:r>
+            <a:r>
+              <a:rPr lang="en-US" altLang="ko-KR" dirty="0"/>
+              <a:t>, </a:t>
+            </a:r>
+            <a:r>
+              <a:rPr lang="ko-KR" altLang="en-US" dirty="0"/>
+              <a:t>색상</a:t>
+            </a:r>
+            <a:r>
+              <a:rPr lang="en-US" altLang="ko-KR" dirty="0"/>
+              <a:t>, </a:t>
+            </a:r>
+            <a:r>
+              <a:rPr lang="ko-KR" altLang="en-US" dirty="0"/>
+              <a:t>크기 등을 조절할 수 있다</a:t>
+            </a:r>
+            <a:endParaRPr lang="en-US" altLang="ko-KR" dirty="0"/>
+          </a:p>
+          <a:p>
+            <a:endParaRPr lang="en-US" altLang="ko-KR" dirty="0"/>
+          </a:p>
+          <a:p>
+            <a:r>
+              <a:rPr lang="en-US" altLang="ko-KR" dirty="0"/>
+              <a:t>Background Layer</a:t>
+            </a:r>
+            <a:r>
+              <a:rPr lang="ko-KR" altLang="en-US" dirty="0"/>
+              <a:t> 에서는 </a:t>
+            </a:r>
+            <a:r>
+              <a:rPr lang="en-US" altLang="ko-KR" dirty="0"/>
+              <a:t>Color, </a:t>
+            </a:r>
+          </a:p>
+          <a:p>
+            <a:r>
+              <a:rPr lang="en-US" altLang="ko-KR" dirty="0"/>
+              <a:t>Image</a:t>
+            </a:r>
+            <a:r>
+              <a:rPr lang="ko-KR" altLang="en-US" dirty="0"/>
+              <a:t>를 고를 수 있으며 색상</a:t>
+            </a:r>
+            <a:r>
+              <a:rPr lang="en-US" altLang="ko-KR" dirty="0"/>
+              <a:t>, </a:t>
+            </a:r>
+            <a:r>
+              <a:rPr lang="ko-KR" altLang="en-US" dirty="0"/>
+              <a:t>크기</a:t>
+            </a:r>
+            <a:endParaRPr lang="en-US" altLang="ko-KR" dirty="0"/>
+          </a:p>
+          <a:p>
+            <a:r>
+              <a:rPr lang="ko-KR" altLang="en-US"/>
+              <a:t>등을 조절할 수 있다</a:t>
+            </a:r>
+            <a:endParaRPr lang="en-US" altLang="ko-KR" dirty="0"/>
+          </a:p>
+        </p:txBody>
+      </p:sp>
+      <p:pic>
+        <p:nvPicPr>
+          <p:cNvPr id="6" name="그림 5">
+            <a:extLst>
+              <a:ext uri="{FF2B5EF4-FFF2-40B4-BE49-F238E27FC236}">
+                <a16:creationId xmlns:a16="http://schemas.microsoft.com/office/drawing/2014/main" id="{E2C3BBDD-CACA-4758-BE5C-EB065BA867D2}"/>
+              </a:ext>
+            </a:extLst>
+          </p:cNvPr>
+          <p:cNvPicPr>
+            <a:picLocks noChangeAspect="1"/>
+          </p:cNvPicPr>
+          <p:nvPr/>
+        </p:nvPicPr>
+        <p:blipFill>
+          <a:blip r:embed="rId3"/>
+          <a:stretch>
+            <a:fillRect/>
+          </a:stretch>
+        </p:blipFill>
+        <p:spPr>
+          <a:xfrm>
+            <a:off x="4823691" y="1432401"/>
+            <a:ext cx="6877521" cy="4550825"/>
+          </a:xfrm>
+          <a:prstGeom prst="rect">
+            <a:avLst/>
+          </a:prstGeom>
+        </p:spPr>
+      </p:pic>
+    </p:spTree>
+    <p:extLst>
+      <p:ext uri="{BB962C8B-B14F-4D97-AF65-F5344CB8AC3E}">
+        <p14:creationId xmlns:p14="http://schemas.microsoft.com/office/powerpoint/2010/main" val="3032305708"/>
       </p:ext>
     </p:extLst>
   </p:cSld>
